--- a/Journal-DC-Motor/v8.0/Soft-Switch/Spice-files/New Microsoft PowerPoint Presentation.pptx
+++ b/Journal-DC-Motor/v8.0/Soft-Switch/Spice-files/New Microsoft PowerPoint Presentation.pptx
@@ -105,6 +105,11 @@
       </a:defRPr>
     </a:lvl9pPr>
   </p:defaultTextStyle>
+  <p:extLst>
+    <p:ext uri="{EFAFB233-063F-42B5-8137-9DF3F51BA10A}">
+      <p15:sldGuideLst xmlns:p15="http://schemas.microsoft.com/office/powerpoint/2012/main"/>
+    </p:ext>
+  </p:extLst>
 </p:presentation>
 </file>
 
@@ -255,7 +260,7 @@
           <a:p>
             <a:fld id="{6B38EE4A-3A10-42B1-A004-8C6AA9CE04DE}" type="datetimeFigureOut">
               <a:rPr lang="en-US" smtClean="0"/>
-              <a:t>4/14/2022</a:t>
+              <a:t>4/18/2022</a:t>
             </a:fld>
             <a:endParaRPr lang="en-US"/>
           </a:p>
@@ -453,7 +458,7 @@
           <a:p>
             <a:fld id="{6B38EE4A-3A10-42B1-A004-8C6AA9CE04DE}" type="datetimeFigureOut">
               <a:rPr lang="en-US" smtClean="0"/>
-              <a:t>4/14/2022</a:t>
+              <a:t>4/18/2022</a:t>
             </a:fld>
             <a:endParaRPr lang="en-US"/>
           </a:p>
@@ -661,7 +666,7 @@
           <a:p>
             <a:fld id="{6B38EE4A-3A10-42B1-A004-8C6AA9CE04DE}" type="datetimeFigureOut">
               <a:rPr lang="en-US" smtClean="0"/>
-              <a:t>4/14/2022</a:t>
+              <a:t>4/18/2022</a:t>
             </a:fld>
             <a:endParaRPr lang="en-US"/>
           </a:p>
@@ -859,7 +864,7 @@
           <a:p>
             <a:fld id="{6B38EE4A-3A10-42B1-A004-8C6AA9CE04DE}" type="datetimeFigureOut">
               <a:rPr lang="en-US" smtClean="0"/>
-              <a:t>4/14/2022</a:t>
+              <a:t>4/18/2022</a:t>
             </a:fld>
             <a:endParaRPr lang="en-US"/>
           </a:p>
@@ -1134,7 +1139,7 @@
           <a:p>
             <a:fld id="{6B38EE4A-3A10-42B1-A004-8C6AA9CE04DE}" type="datetimeFigureOut">
               <a:rPr lang="en-US" smtClean="0"/>
-              <a:t>4/14/2022</a:t>
+              <a:t>4/18/2022</a:t>
             </a:fld>
             <a:endParaRPr lang="en-US"/>
           </a:p>
@@ -1399,7 +1404,7 @@
           <a:p>
             <a:fld id="{6B38EE4A-3A10-42B1-A004-8C6AA9CE04DE}" type="datetimeFigureOut">
               <a:rPr lang="en-US" smtClean="0"/>
-              <a:t>4/14/2022</a:t>
+              <a:t>4/18/2022</a:t>
             </a:fld>
             <a:endParaRPr lang="en-US"/>
           </a:p>
@@ -1811,7 +1816,7 @@
           <a:p>
             <a:fld id="{6B38EE4A-3A10-42B1-A004-8C6AA9CE04DE}" type="datetimeFigureOut">
               <a:rPr lang="en-US" smtClean="0"/>
-              <a:t>4/14/2022</a:t>
+              <a:t>4/18/2022</a:t>
             </a:fld>
             <a:endParaRPr lang="en-US"/>
           </a:p>
@@ -1952,7 +1957,7 @@
           <a:p>
             <a:fld id="{6B38EE4A-3A10-42B1-A004-8C6AA9CE04DE}" type="datetimeFigureOut">
               <a:rPr lang="en-US" smtClean="0"/>
-              <a:t>4/14/2022</a:t>
+              <a:t>4/18/2022</a:t>
             </a:fld>
             <a:endParaRPr lang="en-US"/>
           </a:p>
@@ -2065,7 +2070,7 @@
           <a:p>
             <a:fld id="{6B38EE4A-3A10-42B1-A004-8C6AA9CE04DE}" type="datetimeFigureOut">
               <a:rPr lang="en-US" smtClean="0"/>
-              <a:t>4/14/2022</a:t>
+              <a:t>4/18/2022</a:t>
             </a:fld>
             <a:endParaRPr lang="en-US"/>
           </a:p>
@@ -2376,7 +2381,7 @@
           <a:p>
             <a:fld id="{6B38EE4A-3A10-42B1-A004-8C6AA9CE04DE}" type="datetimeFigureOut">
               <a:rPr lang="en-US" smtClean="0"/>
-              <a:t>4/14/2022</a:t>
+              <a:t>4/18/2022</a:t>
             </a:fld>
             <a:endParaRPr lang="en-US"/>
           </a:p>
@@ -2664,7 +2669,7 @@
           <a:p>
             <a:fld id="{6B38EE4A-3A10-42B1-A004-8C6AA9CE04DE}" type="datetimeFigureOut">
               <a:rPr lang="en-US" smtClean="0"/>
-              <a:t>4/14/2022</a:t>
+              <a:t>4/18/2022</a:t>
             </a:fld>
             <a:endParaRPr lang="en-US"/>
           </a:p>
@@ -2905,7 +2910,7 @@
           <a:p>
             <a:fld id="{6B38EE4A-3A10-42B1-A004-8C6AA9CE04DE}" type="datetimeFigureOut">
               <a:rPr lang="en-US" smtClean="0"/>
-              <a:t>4/14/2022</a:t>
+              <a:t>4/18/2022</a:t>
             </a:fld>
             <a:endParaRPr lang="en-US"/>
           </a:p>
@@ -3654,7 +3659,7 @@
         </p:nvSpPr>
         <p:spPr>
           <a:xfrm>
-            <a:off x="6067136" y="3085676"/>
+            <a:off x="5595935" y="3075115"/>
             <a:ext cx="231775" cy="1490457"/>
           </a:xfrm>
           <a:prstGeom prst="rect">
@@ -3699,63 +3704,6 @@
       </p:sp>
       <p:sp>
         <p:nvSpPr>
-          <p:cNvPr id="32" name="Rectangle 31">
-            <a:extLst>
-              <a:ext uri="{FF2B5EF4-FFF2-40B4-BE49-F238E27FC236}">
-                <a16:creationId xmlns:a16="http://schemas.microsoft.com/office/drawing/2014/main" id="{2A19C47F-A559-4BF8-9969-F1C42022C7ED}"/>
-              </a:ext>
-            </a:extLst>
-          </p:cNvPr>
-          <p:cNvSpPr/>
-          <p:nvPr/>
-        </p:nvSpPr>
-        <p:spPr>
-          <a:xfrm>
-            <a:off x="3822699" y="3085676"/>
-            <a:ext cx="231775" cy="1490457"/>
-          </a:xfrm>
-          <a:prstGeom prst="rect">
-            <a:avLst/>
-          </a:prstGeom>
-          <a:solidFill>
-            <a:schemeClr val="bg2">
-              <a:lumMod val="75000"/>
-              <a:alpha val="50000"/>
-            </a:schemeClr>
-          </a:solidFill>
-          <a:ln>
-            <a:solidFill>
-              <a:schemeClr val="bg2"/>
-            </a:solidFill>
-          </a:ln>
-        </p:spPr>
-        <p:style>
-          <a:lnRef idx="2">
-            <a:schemeClr val="accent1">
-              <a:shade val="50000"/>
-            </a:schemeClr>
-          </a:lnRef>
-          <a:fillRef idx="1">
-            <a:schemeClr val="accent1"/>
-          </a:fillRef>
-          <a:effectRef idx="0">
-            <a:schemeClr val="accent1"/>
-          </a:effectRef>
-          <a:fontRef idx="minor">
-            <a:schemeClr val="lt1"/>
-          </a:fontRef>
-        </p:style>
-        <p:txBody>
-          <a:bodyPr rtlCol="0" anchor="ctr"/>
-          <a:lstStyle/>
-          <a:p>
-            <a:pPr algn="ctr"/>
-            <a:endParaRPr lang="en-US"/>
-          </a:p>
-        </p:txBody>
-      </p:sp>
-      <p:sp>
-        <p:nvSpPr>
           <p:cNvPr id="33" name="TextBox 32">
             <a:extLst>
               <a:ext uri="{FF2B5EF4-FFF2-40B4-BE49-F238E27FC236}">
@@ -3811,7 +3759,7 @@
         </p:nvSpPr>
         <p:spPr>
           <a:xfrm>
-            <a:off x="5943599" y="4596840"/>
+            <a:off x="5495922" y="4584092"/>
             <a:ext cx="663576" cy="292388"/>
           </a:xfrm>
           <a:prstGeom prst="rect">
@@ -3854,7 +3802,7 @@
         </p:nvSpPr>
         <p:spPr>
           <a:xfrm>
-            <a:off x="5367130" y="2771764"/>
+            <a:off x="5418137" y="2769562"/>
             <a:ext cx="663576" cy="292388"/>
           </a:xfrm>
           <a:prstGeom prst="rect">
@@ -3873,8 +3821,19 @@
                 <a:latin typeface="Times New Roman" panose="02020603050405020304" pitchFamily="18" charset="0"/>
                 <a:cs typeface="Times New Roman" panose="02020603050405020304" pitchFamily="18" charset="0"/>
               </a:rPr>
-              <a:t>(a) SA</a:t>
-            </a:r>
+              <a:t>(a) S</a:t>
+            </a:r>
+            <a:r>
+              <a:rPr lang="en-US" sz="1000" dirty="0">
+                <a:latin typeface="Times New Roman" panose="02020603050405020304" pitchFamily="18" charset="0"/>
+                <a:cs typeface="Times New Roman" panose="02020603050405020304" pitchFamily="18" charset="0"/>
+              </a:rPr>
+              <a:t>A</a:t>
+            </a:r>
+            <a:endParaRPr lang="en-US" sz="1300" dirty="0">
+              <a:latin typeface="Times New Roman" panose="02020603050405020304" pitchFamily="18" charset="0"/>
+              <a:cs typeface="Times New Roman" panose="02020603050405020304" pitchFamily="18" charset="0"/>
+            </a:endParaRPr>
           </a:p>
         </p:txBody>
       </p:sp>
@@ -3892,7 +3851,7 @@
         </p:nvSpPr>
         <p:spPr>
           <a:xfrm>
-            <a:off x="5380035" y="4856914"/>
+            <a:off x="5438772" y="4795806"/>
             <a:ext cx="895351" cy="292388"/>
           </a:xfrm>
           <a:prstGeom prst="rect">
@@ -3911,17 +3870,28 @@
                 <a:latin typeface="Times New Roman" panose="02020603050405020304" pitchFamily="18" charset="0"/>
                 <a:cs typeface="Times New Roman" panose="02020603050405020304" pitchFamily="18" charset="0"/>
               </a:rPr>
-              <a:t>(b) SA</a:t>
-            </a:r>
+              <a:t>(b) S</a:t>
+            </a:r>
+            <a:r>
+              <a:rPr lang="en-US" sz="1000" dirty="0">
+                <a:latin typeface="Times New Roman" panose="02020603050405020304" pitchFamily="18" charset="0"/>
+                <a:cs typeface="Times New Roman" panose="02020603050405020304" pitchFamily="18" charset="0"/>
+              </a:rPr>
+              <a:t>A</a:t>
+            </a:r>
+            <a:endParaRPr lang="en-US" sz="1300" dirty="0">
+              <a:latin typeface="Times New Roman" panose="02020603050405020304" pitchFamily="18" charset="0"/>
+              <a:cs typeface="Times New Roman" panose="02020603050405020304" pitchFamily="18" charset="0"/>
+            </a:endParaRPr>
           </a:p>
         </p:txBody>
       </p:sp>
       <p:cxnSp>
         <p:nvCxnSpPr>
-          <p:cNvPr id="40" name="Straight Connector 39">
-            <a:extLst>
-              <a:ext uri="{FF2B5EF4-FFF2-40B4-BE49-F238E27FC236}">
-                <a16:creationId xmlns:a16="http://schemas.microsoft.com/office/drawing/2014/main" id="{DC4CEF62-0E48-4ABD-8E5E-9639DA62FC11}"/>
+          <p:cNvPr id="5" name="Straight Connector 4">
+            <a:extLst>
+              <a:ext uri="{FF2B5EF4-FFF2-40B4-BE49-F238E27FC236}">
+                <a16:creationId xmlns:a16="http://schemas.microsoft.com/office/drawing/2014/main" id="{11429480-C851-493A-9AF4-D236BD9763E4}"/>
               </a:ext>
             </a:extLst>
           </p:cNvPr>
@@ -3932,13 +3902,13 @@
         </p:nvCxnSpPr>
         <p:spPr>
           <a:xfrm>
-            <a:off x="5937249" y="4889228"/>
-            <a:ext cx="0" cy="60325"/>
+            <a:off x="5942012" y="4862184"/>
+            <a:ext cx="0" cy="56017"/>
           </a:xfrm>
           <a:prstGeom prst="line">
             <a:avLst/>
           </a:prstGeom>
-          <a:ln w="19050">
+          <a:ln w="9525">
             <a:solidFill>
               <a:schemeClr val="tx1"/>
             </a:solidFill>
@@ -4051,125 +4021,6 @@
       </p:pic>
       <p:sp>
         <p:nvSpPr>
-          <p:cNvPr id="6" name="TextBox 5">
-            <a:extLst>
-              <a:ext uri="{FF2B5EF4-FFF2-40B4-BE49-F238E27FC236}">
-                <a16:creationId xmlns:a16="http://schemas.microsoft.com/office/drawing/2014/main" id="{29B3CE07-A762-4BA8-AFB5-324CCC6CF93E}"/>
-              </a:ext>
-            </a:extLst>
-          </p:cNvPr>
-          <p:cNvSpPr txBox="1"/>
-          <p:nvPr/>
-        </p:nvSpPr>
-        <p:spPr>
-          <a:xfrm>
-            <a:off x="5367130" y="2941980"/>
-            <a:ext cx="663576" cy="292388"/>
-          </a:xfrm>
-          <a:prstGeom prst="rect">
-            <a:avLst/>
-          </a:prstGeom>
-          <a:noFill/>
-        </p:spPr>
-        <p:txBody>
-          <a:bodyPr wrap="square" rtlCol="0">
-            <a:spAutoFit/>
-          </a:bodyPr>
-          <a:lstStyle/>
-          <a:p>
-            <a:r>
-              <a:rPr lang="en-US" sz="1300" dirty="0">
-                <a:latin typeface="Times New Roman" panose="02020603050405020304" pitchFamily="18" charset="0"/>
-                <a:cs typeface="Times New Roman" panose="02020603050405020304" pitchFamily="18" charset="0"/>
-              </a:rPr>
-              <a:t>(a) SA</a:t>
-            </a:r>
-          </a:p>
-        </p:txBody>
-      </p:sp>
-      <p:sp>
-        <p:nvSpPr>
-          <p:cNvPr id="7" name="TextBox 6">
-            <a:extLst>
-              <a:ext uri="{FF2B5EF4-FFF2-40B4-BE49-F238E27FC236}">
-                <a16:creationId xmlns:a16="http://schemas.microsoft.com/office/drawing/2014/main" id="{8E615719-C0AC-4D4E-ADB9-29BF16D95226}"/>
-              </a:ext>
-            </a:extLst>
-          </p:cNvPr>
-          <p:cNvSpPr txBox="1"/>
-          <p:nvPr/>
-        </p:nvSpPr>
-        <p:spPr>
-          <a:xfrm>
-            <a:off x="5325110" y="5046252"/>
-            <a:ext cx="895351" cy="292388"/>
-          </a:xfrm>
-          <a:prstGeom prst="rect">
-            <a:avLst/>
-          </a:prstGeom>
-          <a:noFill/>
-        </p:spPr>
-        <p:txBody>
-          <a:bodyPr wrap="square" rtlCol="0">
-            <a:spAutoFit/>
-          </a:bodyPr>
-          <a:lstStyle/>
-          <a:p>
-            <a:r>
-              <a:rPr lang="en-US" sz="1300" dirty="0">
-                <a:latin typeface="Times New Roman" panose="02020603050405020304" pitchFamily="18" charset="0"/>
-                <a:cs typeface="Times New Roman" panose="02020603050405020304" pitchFamily="18" charset="0"/>
-              </a:rPr>
-              <a:t>(b) SA</a:t>
-            </a:r>
-          </a:p>
-        </p:txBody>
-      </p:sp>
-      <p:cxnSp>
-        <p:nvCxnSpPr>
-          <p:cNvPr id="8" name="Straight Connector 7">
-            <a:extLst>
-              <a:ext uri="{FF2B5EF4-FFF2-40B4-BE49-F238E27FC236}">
-                <a16:creationId xmlns:a16="http://schemas.microsoft.com/office/drawing/2014/main" id="{F05F93C5-56ED-4838-94F5-EE9937B444F0}"/>
-              </a:ext>
-            </a:extLst>
-          </p:cNvPr>
-          <p:cNvCxnSpPr>
-            <a:cxnSpLocks/>
-          </p:cNvCxnSpPr>
-          <p:nvPr/>
-        </p:nvCxnSpPr>
-        <p:spPr>
-          <a:xfrm>
-            <a:off x="5882324" y="5078566"/>
-            <a:ext cx="0" cy="60325"/>
-          </a:xfrm>
-          <a:prstGeom prst="line">
-            <a:avLst/>
-          </a:prstGeom>
-          <a:ln w="19050">
-            <a:solidFill>
-              <a:schemeClr val="tx1"/>
-            </a:solidFill>
-          </a:ln>
-        </p:spPr>
-        <p:style>
-          <a:lnRef idx="1">
-            <a:schemeClr val="accent1"/>
-          </a:lnRef>
-          <a:fillRef idx="0">
-            <a:schemeClr val="accent1"/>
-          </a:fillRef>
-          <a:effectRef idx="0">
-            <a:schemeClr val="accent1"/>
-          </a:effectRef>
-          <a:fontRef idx="minor">
-            <a:schemeClr val="tx1"/>
-          </a:fontRef>
-        </p:style>
-      </p:cxnSp>
-      <p:sp>
-        <p:nvSpPr>
           <p:cNvPr id="9" name="Rectangle 8">
             <a:extLst>
               <a:ext uri="{FF2B5EF4-FFF2-40B4-BE49-F238E27FC236}">
@@ -4728,63 +4579,6 @@
       </p:sp>
       <p:sp>
         <p:nvSpPr>
-          <p:cNvPr id="21" name="Rectangle 20">
-            <a:extLst>
-              <a:ext uri="{FF2B5EF4-FFF2-40B4-BE49-F238E27FC236}">
-                <a16:creationId xmlns:a16="http://schemas.microsoft.com/office/drawing/2014/main" id="{51DD1413-52FC-4259-827C-7F6720550521}"/>
-              </a:ext>
-            </a:extLst>
-          </p:cNvPr>
-          <p:cNvSpPr/>
-          <p:nvPr/>
-        </p:nvSpPr>
-        <p:spPr>
-          <a:xfrm>
-            <a:off x="7774853" y="3295444"/>
-            <a:ext cx="231775" cy="1490457"/>
-          </a:xfrm>
-          <a:prstGeom prst="rect">
-            <a:avLst/>
-          </a:prstGeom>
-          <a:solidFill>
-            <a:schemeClr val="bg2">
-              <a:lumMod val="75000"/>
-              <a:alpha val="50000"/>
-            </a:schemeClr>
-          </a:solidFill>
-          <a:ln>
-            <a:solidFill>
-              <a:schemeClr val="bg2"/>
-            </a:solidFill>
-          </a:ln>
-        </p:spPr>
-        <p:style>
-          <a:lnRef idx="2">
-            <a:schemeClr val="accent1">
-              <a:shade val="50000"/>
-            </a:schemeClr>
-          </a:lnRef>
-          <a:fillRef idx="1">
-            <a:schemeClr val="accent1"/>
-          </a:fillRef>
-          <a:effectRef idx="0">
-            <a:schemeClr val="accent1"/>
-          </a:effectRef>
-          <a:fontRef idx="minor">
-            <a:schemeClr val="lt1"/>
-          </a:fontRef>
-        </p:style>
-        <p:txBody>
-          <a:bodyPr rtlCol="0" anchor="ctr"/>
-          <a:lstStyle/>
-          <a:p>
-            <a:pPr algn="ctr"/>
-            <a:endParaRPr lang="en-US"/>
-          </a:p>
-        </p:txBody>
-      </p:sp>
-      <p:sp>
-        <p:nvSpPr>
           <p:cNvPr id="22" name="TextBox 21">
             <a:extLst>
               <a:ext uri="{FF2B5EF4-FFF2-40B4-BE49-F238E27FC236}">
@@ -4826,6 +4620,147 @@
           </a:p>
         </p:txBody>
       </p:sp>
+      <p:sp>
+        <p:nvSpPr>
+          <p:cNvPr id="23" name="TextBox 22">
+            <a:extLst>
+              <a:ext uri="{FF2B5EF4-FFF2-40B4-BE49-F238E27FC236}">
+                <a16:creationId xmlns:a16="http://schemas.microsoft.com/office/drawing/2014/main" id="{03C37604-95B6-431F-A2D4-62AFAC9B99DA}"/>
+              </a:ext>
+            </a:extLst>
+          </p:cNvPr>
+          <p:cNvSpPr txBox="1"/>
+          <p:nvPr/>
+        </p:nvSpPr>
+        <p:spPr>
+          <a:xfrm>
+            <a:off x="5367130" y="2913217"/>
+            <a:ext cx="663576" cy="292388"/>
+          </a:xfrm>
+          <a:prstGeom prst="rect">
+            <a:avLst/>
+          </a:prstGeom>
+          <a:noFill/>
+        </p:spPr>
+        <p:txBody>
+          <a:bodyPr wrap="square" rtlCol="0">
+            <a:spAutoFit/>
+          </a:bodyPr>
+          <a:lstStyle/>
+          <a:p>
+            <a:r>
+              <a:rPr lang="en-US" sz="1300" dirty="0">
+                <a:latin typeface="Times New Roman" panose="02020603050405020304" pitchFamily="18" charset="0"/>
+                <a:cs typeface="Times New Roman" panose="02020603050405020304" pitchFamily="18" charset="0"/>
+              </a:rPr>
+              <a:t>(a) S</a:t>
+            </a:r>
+            <a:r>
+              <a:rPr lang="en-US" sz="1000" dirty="0">
+                <a:latin typeface="Times New Roman" panose="02020603050405020304" pitchFamily="18" charset="0"/>
+                <a:cs typeface="Times New Roman" panose="02020603050405020304" pitchFamily="18" charset="0"/>
+              </a:rPr>
+              <a:t>A</a:t>
+            </a:r>
+            <a:endParaRPr lang="en-US" sz="1300" dirty="0">
+              <a:latin typeface="Times New Roman" panose="02020603050405020304" pitchFamily="18" charset="0"/>
+              <a:cs typeface="Times New Roman" panose="02020603050405020304" pitchFamily="18" charset="0"/>
+            </a:endParaRPr>
+          </a:p>
+        </p:txBody>
+      </p:sp>
+      <p:sp>
+        <p:nvSpPr>
+          <p:cNvPr id="24" name="TextBox 23">
+            <a:extLst>
+              <a:ext uri="{FF2B5EF4-FFF2-40B4-BE49-F238E27FC236}">
+                <a16:creationId xmlns:a16="http://schemas.microsoft.com/office/drawing/2014/main" id="{3DECB96C-909E-4E98-85AB-661F54E64DC5}"/>
+              </a:ext>
+            </a:extLst>
+          </p:cNvPr>
+          <p:cNvSpPr txBox="1"/>
+          <p:nvPr/>
+        </p:nvSpPr>
+        <p:spPr>
+          <a:xfrm>
+            <a:off x="5432424" y="4993173"/>
+            <a:ext cx="895351" cy="292388"/>
+          </a:xfrm>
+          <a:prstGeom prst="rect">
+            <a:avLst/>
+          </a:prstGeom>
+          <a:noFill/>
+        </p:spPr>
+        <p:txBody>
+          <a:bodyPr wrap="square" rtlCol="0">
+            <a:spAutoFit/>
+          </a:bodyPr>
+          <a:lstStyle/>
+          <a:p>
+            <a:r>
+              <a:rPr lang="en-US" sz="1300" dirty="0">
+                <a:latin typeface="Times New Roman" panose="02020603050405020304" pitchFamily="18" charset="0"/>
+                <a:cs typeface="Times New Roman" panose="02020603050405020304" pitchFamily="18" charset="0"/>
+              </a:rPr>
+              <a:t>(b) S</a:t>
+            </a:r>
+            <a:r>
+              <a:rPr lang="en-US" sz="1000" dirty="0">
+                <a:latin typeface="Times New Roman" panose="02020603050405020304" pitchFamily="18" charset="0"/>
+                <a:cs typeface="Times New Roman" panose="02020603050405020304" pitchFamily="18" charset="0"/>
+              </a:rPr>
+              <a:t>A</a:t>
+            </a:r>
+            <a:endParaRPr lang="en-US" sz="1300" dirty="0">
+              <a:latin typeface="Times New Roman" panose="02020603050405020304" pitchFamily="18" charset="0"/>
+              <a:cs typeface="Times New Roman" panose="02020603050405020304" pitchFamily="18" charset="0"/>
+            </a:endParaRPr>
+          </a:p>
+        </p:txBody>
+      </p:sp>
+      <p:cxnSp>
+        <p:nvCxnSpPr>
+          <p:cNvPr id="25" name="Straight Connector 24">
+            <a:extLst>
+              <a:ext uri="{FF2B5EF4-FFF2-40B4-BE49-F238E27FC236}">
+                <a16:creationId xmlns:a16="http://schemas.microsoft.com/office/drawing/2014/main" id="{66BAC154-207C-4F90-BAB9-51631A84CF6A}"/>
+              </a:ext>
+            </a:extLst>
+          </p:cNvPr>
+          <p:cNvCxnSpPr>
+            <a:cxnSpLocks/>
+          </p:cNvCxnSpPr>
+          <p:nvPr/>
+        </p:nvCxnSpPr>
+        <p:spPr>
+          <a:xfrm>
+            <a:off x="5935664" y="5059551"/>
+            <a:ext cx="0" cy="56017"/>
+          </a:xfrm>
+          <a:prstGeom prst="line">
+            <a:avLst/>
+          </a:prstGeom>
+          <a:ln w="9525">
+            <a:solidFill>
+              <a:schemeClr val="tx1"/>
+            </a:solidFill>
+          </a:ln>
+        </p:spPr>
+        <p:style>
+          <a:lnRef idx="1">
+            <a:schemeClr val="accent1"/>
+          </a:lnRef>
+          <a:fillRef idx="0">
+            <a:schemeClr val="accent1"/>
+          </a:fillRef>
+          <a:effectRef idx="0">
+            <a:schemeClr val="accent1"/>
+          </a:effectRef>
+          <a:fontRef idx="minor">
+            <a:schemeClr val="tx1"/>
+          </a:fontRef>
+        </p:style>
+      </p:cxnSp>
     </p:spTree>
     <p:extLst>
       <p:ext uri="{BB962C8B-B14F-4D97-AF65-F5344CB8AC3E}">
